--- a/econ-135-3.1-intro-video.pptx
+++ b/econ-135-3.1-intro-video.pptx
@@ -10978,14 +10978,14 @@
       </p:pic>
       <p:sp>
         <p:nvSpPr>
-          <p:cNvPr id="398" name="&lt;https://share.mmhmm.app/e3ca9eb982644dea96230d0a1e67e548&gt;"/>
+          <p:cNvPr id="398" name="&lt;https://share.mmhmm.app/e3ca9eb982644dea96230d0a1e67e548&gt; &lt;https://github.com/braddelong/public-files/blob/master/econ-135-3.1-intro-video.pptx&gt;"/>
           <p:cNvSpPr txBox="1"/>
           <p:nvPr/>
         </p:nvSpPr>
         <p:spPr>
           <a:xfrm>
-            <a:off x="347081" y="13246099"/>
-            <a:ext cx="9840070" cy="469901"/>
+            <a:off x="347081" y="13271499"/>
+            <a:ext cx="23084009" cy="419101"/>
           </a:xfrm>
           <a:prstGeom prst="rect">
             <a:avLst/>
@@ -11000,13 +11000,13 @@
           </a:extLst>
         </p:spPr>
         <p:txBody>
-          <a:bodyPr wrap="none" lIns="50800" tIns="50800" rIns="50800" bIns="50800" anchor="ctr">
+          <a:bodyPr lIns="50800" tIns="50800" rIns="50800" bIns="50800" anchor="ctr">
             <a:spAutoFit/>
           </a:bodyPr>
           <a:lstStyle/>
           <a:p>
-            <a:pPr>
-              <a:defRPr b="1"/>
+            <a:pPr algn="l">
+              <a:defRPr b="1" sz="2100"/>
             </a:pPr>
             <a:r>
               <a:t>&lt;</a:t>
@@ -11016,6 +11016,15 @@
                 <a:hlinkClick r:id="rId6" invalidUrl="" action="" tgtFrame="" tooltip="" history="1" highlightClick="0" endSnd="0"/>
               </a:rPr>
               <a:t>https://share.mmhmm.app/e3ca9eb982644dea96230d0a1e67e548</a:t>
+            </a:r>
+            <a:r>
+              <a:t>&gt; &lt;</a:t>
+            </a:r>
+            <a:r>
+              <a:rPr u="sng">
+                <a:hlinkClick r:id="rId7" invalidUrl="" action="" tgtFrame="" tooltip="" history="1" highlightClick="0" endSnd="0"/>
+              </a:rPr>
+              <a:t>https://github.com/braddelong/public-files/blob/master/econ-135-3.1-intro-video.pptx</a:t>
             </a:r>
             <a:r>
               <a:t>&gt;</a:t>
